--- a/template.pptx
+++ b/template.pptx
@@ -1208,42 +1208,6 @@
       </p:sp>
       <p:sp>
         <p:nvSpPr>
-          <p:cNvPr id="17" name="Content Placeholder 4">
-            <a:extLst>
-              <a:ext uri="{FF2B5EF4-FFF2-40B4-BE49-F238E27FC236}">
-                <a16:creationId xmlns:a16="http://schemas.microsoft.com/office/drawing/2014/main" id="{145EA962-40C8-4CF5-BC1A-43E24DE7D369}"/>
-              </a:ext>
-            </a:extLst>
-          </p:cNvPr>
-          <p:cNvSpPr>
-            <a:spLocks noGrp="1"/>
-          </p:cNvSpPr>
-          <p:nvPr>
-            <p:ph sz="quarter" idx="19"/>
-          </p:nvPr>
-        </p:nvSpPr>
-        <p:spPr>
-          <a:xfrm>
-            <a:off x="6272955" y="3998575"/>
-            <a:ext cx="5454651" cy="2402206"/>
-          </a:xfrm>
-        </p:spPr>
-        <p:txBody>
-          <a:bodyPr/>
-          <a:lstStyle>
-            <a:lvl1pPr marL="0" indent="0">
-              <a:buNone/>
-              <a:defRPr/>
-            </a:lvl1pPr>
-          </a:lstStyle>
-          <a:p>
-            <a:pPr lvl="0"/>
-            <a:endParaRPr lang="en-US" dirty="0"/>
-          </a:p>
-        </p:txBody>
-      </p:sp>
-      <p:sp>
-        <p:nvSpPr>
           <p:cNvPr id="19" name="Text Placeholder 4">
             <a:extLst>
               <a:ext uri="{FF2B5EF4-FFF2-40B4-BE49-F238E27FC236}">
@@ -1280,42 +1244,6 @@
       </p:sp>
       <p:sp>
         <p:nvSpPr>
-          <p:cNvPr id="16" name="Content Placeholder 3">
-            <a:extLst>
-              <a:ext uri="{FF2B5EF4-FFF2-40B4-BE49-F238E27FC236}">
-                <a16:creationId xmlns:a16="http://schemas.microsoft.com/office/drawing/2014/main" id="{806D1CCC-BC1D-469A-951B-C3DCF94EE9F2}"/>
-              </a:ext>
-            </a:extLst>
-          </p:cNvPr>
-          <p:cNvSpPr>
-            <a:spLocks noGrp="1"/>
-          </p:cNvSpPr>
-          <p:nvPr>
-            <p:ph sz="quarter" idx="18"/>
-          </p:nvPr>
-        </p:nvSpPr>
-        <p:spPr>
-          <a:xfrm>
-            <a:off x="559869" y="3998573"/>
-            <a:ext cx="5454651" cy="2402215"/>
-          </a:xfrm>
-        </p:spPr>
-        <p:txBody>
-          <a:bodyPr/>
-          <a:lstStyle>
-            <a:lvl1pPr marL="0" indent="0">
-              <a:buNone/>
-              <a:defRPr/>
-            </a:lvl1pPr>
-          </a:lstStyle>
-          <a:p>
-            <a:pPr lvl="0"/>
-            <a:endParaRPr lang="en-US" dirty="0"/>
-          </a:p>
-        </p:txBody>
-      </p:sp>
-      <p:sp>
-        <p:nvSpPr>
           <p:cNvPr id="18" name="Text Placeholder 3">
             <a:extLst>
               <a:ext uri="{FF2B5EF4-FFF2-40B4-BE49-F238E27FC236}">
@@ -1352,42 +1280,6 @@
       </p:sp>
       <p:sp>
         <p:nvSpPr>
-          <p:cNvPr id="13" name="Content Placeholder 2">
-            <a:extLst>
-              <a:ext uri="{FF2B5EF4-FFF2-40B4-BE49-F238E27FC236}">
-                <a16:creationId xmlns:a16="http://schemas.microsoft.com/office/drawing/2014/main" id="{CA9EDBD3-908C-4B39-9D03-7D2728861AA9}"/>
-              </a:ext>
-            </a:extLst>
-          </p:cNvPr>
-          <p:cNvSpPr>
-            <a:spLocks noGrp="1"/>
-          </p:cNvSpPr>
-          <p:nvPr>
-            <p:ph sz="quarter" idx="15"/>
-          </p:nvPr>
-        </p:nvSpPr>
-        <p:spPr>
-          <a:xfrm>
-            <a:off x="6272955" y="1072580"/>
-            <a:ext cx="5454651" cy="2402217"/>
-          </a:xfrm>
-        </p:spPr>
-        <p:txBody>
-          <a:bodyPr/>
-          <a:lstStyle>
-            <a:lvl1pPr marL="0" indent="0">
-              <a:buNone/>
-              <a:defRPr/>
-            </a:lvl1pPr>
-          </a:lstStyle>
-          <a:p>
-            <a:pPr lvl="0"/>
-            <a:endParaRPr lang="en-US" dirty="0"/>
-          </a:p>
-        </p:txBody>
-      </p:sp>
-      <p:sp>
-        <p:nvSpPr>
           <p:cNvPr id="15" name="Text Placeholder 2">
             <a:extLst>
               <a:ext uri="{FF2B5EF4-FFF2-40B4-BE49-F238E27FC236}">
@@ -1414,42 +1306,6 @@
             <a:lvl1pPr marL="0" indent="0">
               <a:buNone/>
               <a:defRPr sz="1400"/>
-            </a:lvl1pPr>
-          </a:lstStyle>
-          <a:p>
-            <a:pPr lvl="0"/>
-            <a:endParaRPr lang="en-US" dirty="0"/>
-          </a:p>
-        </p:txBody>
-      </p:sp>
-      <p:sp>
-        <p:nvSpPr>
-          <p:cNvPr id="3" name="Content Placeholder 1">
-            <a:extLst>
-              <a:ext uri="{FF2B5EF4-FFF2-40B4-BE49-F238E27FC236}">
-                <a16:creationId xmlns:a16="http://schemas.microsoft.com/office/drawing/2014/main" id="{6D6284A0-CAA6-480A-82C6-8F7190CCDA72}"/>
-              </a:ext>
-            </a:extLst>
-          </p:cNvPr>
-          <p:cNvSpPr>
-            <a:spLocks noGrp="1"/>
-          </p:cNvSpPr>
-          <p:nvPr>
-            <p:ph sz="quarter" idx="14"/>
-          </p:nvPr>
-        </p:nvSpPr>
-        <p:spPr>
-          <a:xfrm>
-            <a:off x="559869" y="1072578"/>
-            <a:ext cx="5454651" cy="2402219"/>
-          </a:xfrm>
-        </p:spPr>
-        <p:txBody>
-          <a:bodyPr/>
-          <a:lstStyle>
-            <a:lvl1pPr marL="0" indent="0">
-              <a:buNone/>
-              <a:defRPr/>
             </a:lvl1pPr>
           </a:lstStyle>
           <a:p>
@@ -1554,6 +1410,126 @@
           </a:extLst>
         </p:spPr>
       </p:pic>
+      <p:sp>
+        <p:nvSpPr>
+          <p:cNvPr id="4" name="Picture Placeholder 3">
+            <a:extLst>
+              <a:ext uri="{FF2B5EF4-FFF2-40B4-BE49-F238E27FC236}">
+                <a16:creationId xmlns:a16="http://schemas.microsoft.com/office/drawing/2014/main" id="{A07783A2-C573-494E-AE9B-C82EE78144A6}"/>
+              </a:ext>
+            </a:extLst>
+          </p:cNvPr>
+          <p:cNvSpPr>
+            <a:spLocks noGrp="1"/>
+          </p:cNvSpPr>
+          <p:nvPr>
+            <p:ph type="pic" sz="quarter" idx="22"/>
+          </p:nvPr>
+        </p:nvSpPr>
+        <p:spPr>
+          <a:xfrm>
+            <a:off x="559868" y="1072577"/>
+            <a:ext cx="5454651" cy="2440441"/>
+          </a:xfrm>
+        </p:spPr>
+        <p:txBody>
+          <a:bodyPr/>
+          <a:lstStyle/>
+          <a:p>
+            <a:endParaRPr lang="en-US"/>
+          </a:p>
+        </p:txBody>
+      </p:sp>
+      <p:sp>
+        <p:nvSpPr>
+          <p:cNvPr id="20" name="Picture Placeholder 3">
+            <a:extLst>
+              <a:ext uri="{FF2B5EF4-FFF2-40B4-BE49-F238E27FC236}">
+                <a16:creationId xmlns:a16="http://schemas.microsoft.com/office/drawing/2014/main" id="{A189228D-5468-4FDF-8EEA-E6AE33CEC7A0}"/>
+              </a:ext>
+            </a:extLst>
+          </p:cNvPr>
+          <p:cNvSpPr>
+            <a:spLocks noGrp="1"/>
+          </p:cNvSpPr>
+          <p:nvPr>
+            <p:ph type="pic" sz="quarter" idx="23"/>
+          </p:nvPr>
+        </p:nvSpPr>
+        <p:spPr>
+          <a:xfrm>
+            <a:off x="6272954" y="1072040"/>
+            <a:ext cx="5454651" cy="2440441"/>
+          </a:xfrm>
+        </p:spPr>
+        <p:txBody>
+          <a:bodyPr/>
+          <a:lstStyle/>
+          <a:p>
+            <a:endParaRPr lang="en-US"/>
+          </a:p>
+        </p:txBody>
+      </p:sp>
+      <p:sp>
+        <p:nvSpPr>
+          <p:cNvPr id="22" name="Picture Placeholder 3">
+            <a:extLst>
+              <a:ext uri="{FF2B5EF4-FFF2-40B4-BE49-F238E27FC236}">
+                <a16:creationId xmlns:a16="http://schemas.microsoft.com/office/drawing/2014/main" id="{1F7E589C-BD47-48E9-BF1B-024F8CE79567}"/>
+              </a:ext>
+            </a:extLst>
+          </p:cNvPr>
+          <p:cNvSpPr>
+            <a:spLocks noGrp="1"/>
+          </p:cNvSpPr>
+          <p:nvPr>
+            <p:ph type="pic" sz="quarter" idx="24"/>
+          </p:nvPr>
+        </p:nvSpPr>
+        <p:spPr>
+          <a:xfrm>
+            <a:off x="559867" y="3960340"/>
+            <a:ext cx="5454651" cy="2440441"/>
+          </a:xfrm>
+        </p:spPr>
+        <p:txBody>
+          <a:bodyPr/>
+          <a:lstStyle/>
+          <a:p>
+            <a:endParaRPr lang="en-US"/>
+          </a:p>
+        </p:txBody>
+      </p:sp>
+      <p:sp>
+        <p:nvSpPr>
+          <p:cNvPr id="23" name="Picture Placeholder 3">
+            <a:extLst>
+              <a:ext uri="{FF2B5EF4-FFF2-40B4-BE49-F238E27FC236}">
+                <a16:creationId xmlns:a16="http://schemas.microsoft.com/office/drawing/2014/main" id="{10B2B341-7330-4207-B90B-8F190A3AF486}"/>
+              </a:ext>
+            </a:extLst>
+          </p:cNvPr>
+          <p:cNvSpPr>
+            <a:spLocks noGrp="1"/>
+          </p:cNvSpPr>
+          <p:nvPr>
+            <p:ph type="pic" sz="quarter" idx="25"/>
+          </p:nvPr>
+        </p:nvSpPr>
+        <p:spPr>
+          <a:xfrm>
+            <a:off x="6272953" y="3956586"/>
+            <a:ext cx="5454651" cy="2440441"/>
+          </a:xfrm>
+        </p:spPr>
+        <p:txBody>
+          <a:bodyPr/>
+          <a:lstStyle/>
+          <a:p>
+            <a:endParaRPr lang="en-US"/>
+          </a:p>
+        </p:txBody>
+      </p:sp>
     </p:spTree>
     <p:extLst>
       <p:ext uri="{BB962C8B-B14F-4D97-AF65-F5344CB8AC3E}">

--- a/template.pptx
+++ b/template.pptx
@@ -1544,6 +1544,495 @@
 </file>
 
 <file path=ppt/slideLayouts/slideLayout3.xml><?xml version="1.0" encoding="utf-8"?>
+<p:sldLayout xmlns:a="http://schemas.openxmlformats.org/drawingml/2006/main" xmlns:r="http://schemas.openxmlformats.org/officeDocument/2006/relationships" xmlns:p="http://schemas.openxmlformats.org/presentationml/2006/main" preserve="1" userDrawn="1">
+  <p:cSld name="1_Chart">
+    <p:spTree>
+      <p:nvGrpSpPr>
+        <p:cNvPr id="1" name=""/>
+        <p:cNvGrpSpPr/>
+        <p:nvPr/>
+      </p:nvGrpSpPr>
+      <p:grpSpPr>
+        <a:xfrm>
+          <a:off x="0" y="0"/>
+          <a:ext cx="0" cy="0"/>
+          <a:chOff x="0" y="0"/>
+          <a:chExt cx="0" cy="0"/>
+        </a:xfrm>
+      </p:grpSpPr>
+      <p:sp>
+        <p:nvSpPr>
+          <p:cNvPr id="9" name="TextBox 1">
+            <a:extLst>
+              <a:ext uri="{FF2B5EF4-FFF2-40B4-BE49-F238E27FC236}">
+                <a16:creationId xmlns:a16="http://schemas.microsoft.com/office/drawing/2014/main" id="{33BD9924-A8CF-4D4C-B6E4-11D97B02BE79}"/>
+              </a:ext>
+            </a:extLst>
+          </p:cNvPr>
+          <p:cNvSpPr txBox="1">
+            <a:spLocks noChangeArrowheads="1"/>
+          </p:cNvSpPr>
+          <p:nvPr/>
+        </p:nvSpPr>
+        <p:spPr bwMode="auto">
+          <a:xfrm>
+            <a:off x="4908118" y="6493849"/>
+            <a:ext cx="2745947" cy="276999"/>
+          </a:xfrm>
+          <a:prstGeom prst="rect">
+            <a:avLst/>
+          </a:prstGeom>
+          <a:noFill/>
+          <a:ln>
+            <a:noFill/>
+          </a:ln>
+          <a:extLst>
+            <a:ext uri="{909E8E84-426E-40DD-AFC4-6F175D3DCCD1}">
+              <a14:hiddenFill xmlns:a14="http://schemas.microsoft.com/office/drawing/2010/main">
+                <a:solidFill>
+                  <a:srgbClr val="FFFFFF"/>
+                </a:solidFill>
+              </a14:hiddenFill>
+            </a:ext>
+            <a:ext uri="{91240B29-F687-4F45-9708-019B960494DF}">
+              <a14:hiddenLine xmlns:a14="http://schemas.microsoft.com/office/drawing/2010/main" w="9525">
+                <a:solidFill>
+                  <a:srgbClr val="000000"/>
+                </a:solidFill>
+                <a:miter lim="800000"/>
+                <a:headEnd/>
+                <a:tailEnd/>
+              </a14:hiddenLine>
+            </a:ext>
+          </a:extLst>
+        </p:spPr>
+        <p:txBody>
+          <a:bodyPr wrap="square" lIns="0" tIns="0" rIns="0" bIns="0">
+            <a:spAutoFit/>
+          </a:bodyPr>
+          <a:lstStyle>
+            <a:lvl1pPr>
+              <a:defRPr>
+                <a:solidFill>
+                  <a:schemeClr val="tx1"/>
+                </a:solidFill>
+                <a:latin typeface="Arial" panose="020B0604020202020204" pitchFamily="34" charset="0"/>
+                <a:cs typeface="Arial" panose="020B0604020202020204" pitchFamily="34" charset="0"/>
+              </a:defRPr>
+            </a:lvl1pPr>
+            <a:lvl2pPr marL="742950" indent="-285750">
+              <a:defRPr>
+                <a:solidFill>
+                  <a:schemeClr val="tx1"/>
+                </a:solidFill>
+                <a:latin typeface="Arial" panose="020B0604020202020204" pitchFamily="34" charset="0"/>
+                <a:cs typeface="Arial" panose="020B0604020202020204" pitchFamily="34" charset="0"/>
+              </a:defRPr>
+            </a:lvl2pPr>
+            <a:lvl3pPr marL="1143000" indent="-228600">
+              <a:defRPr>
+                <a:solidFill>
+                  <a:schemeClr val="tx1"/>
+                </a:solidFill>
+                <a:latin typeface="Arial" panose="020B0604020202020204" pitchFamily="34" charset="0"/>
+                <a:cs typeface="Arial" panose="020B0604020202020204" pitchFamily="34" charset="0"/>
+              </a:defRPr>
+            </a:lvl3pPr>
+            <a:lvl4pPr marL="1600200" indent="-228600">
+              <a:defRPr>
+                <a:solidFill>
+                  <a:schemeClr val="tx1"/>
+                </a:solidFill>
+                <a:latin typeface="Arial" panose="020B0604020202020204" pitchFamily="34" charset="0"/>
+                <a:cs typeface="Arial" panose="020B0604020202020204" pitchFamily="34" charset="0"/>
+              </a:defRPr>
+            </a:lvl4pPr>
+            <a:lvl5pPr marL="2057400" indent="-228600">
+              <a:defRPr>
+                <a:solidFill>
+                  <a:schemeClr val="tx1"/>
+                </a:solidFill>
+                <a:latin typeface="Arial" panose="020B0604020202020204" pitchFamily="34" charset="0"/>
+                <a:cs typeface="Arial" panose="020B0604020202020204" pitchFamily="34" charset="0"/>
+              </a:defRPr>
+            </a:lvl5pPr>
+            <a:lvl6pPr marL="2514600" indent="-228600" eaLnBrk="0" fontAlgn="base" hangingPunct="0">
+              <a:spcBef>
+                <a:spcPct val="0"/>
+              </a:spcBef>
+              <a:spcAft>
+                <a:spcPct val="0"/>
+              </a:spcAft>
+              <a:defRPr>
+                <a:solidFill>
+                  <a:schemeClr val="tx1"/>
+                </a:solidFill>
+                <a:latin typeface="Arial" panose="020B0604020202020204" pitchFamily="34" charset="0"/>
+                <a:cs typeface="Arial" panose="020B0604020202020204" pitchFamily="34" charset="0"/>
+              </a:defRPr>
+            </a:lvl6pPr>
+            <a:lvl7pPr marL="2971800" indent="-228600" eaLnBrk="0" fontAlgn="base" hangingPunct="0">
+              <a:spcBef>
+                <a:spcPct val="0"/>
+              </a:spcBef>
+              <a:spcAft>
+                <a:spcPct val="0"/>
+              </a:spcAft>
+              <a:defRPr>
+                <a:solidFill>
+                  <a:schemeClr val="tx1"/>
+                </a:solidFill>
+                <a:latin typeface="Arial" panose="020B0604020202020204" pitchFamily="34" charset="0"/>
+                <a:cs typeface="Arial" panose="020B0604020202020204" pitchFamily="34" charset="0"/>
+              </a:defRPr>
+            </a:lvl7pPr>
+            <a:lvl8pPr marL="3429000" indent="-228600" eaLnBrk="0" fontAlgn="base" hangingPunct="0">
+              <a:spcBef>
+                <a:spcPct val="0"/>
+              </a:spcBef>
+              <a:spcAft>
+                <a:spcPct val="0"/>
+              </a:spcAft>
+              <a:defRPr>
+                <a:solidFill>
+                  <a:schemeClr val="tx1"/>
+                </a:solidFill>
+                <a:latin typeface="Arial" panose="020B0604020202020204" pitchFamily="34" charset="0"/>
+                <a:cs typeface="Arial" panose="020B0604020202020204" pitchFamily="34" charset="0"/>
+              </a:defRPr>
+            </a:lvl8pPr>
+            <a:lvl9pPr marL="3886200" indent="-228600" eaLnBrk="0" fontAlgn="base" hangingPunct="0">
+              <a:spcBef>
+                <a:spcPct val="0"/>
+              </a:spcBef>
+              <a:spcAft>
+                <a:spcPct val="0"/>
+              </a:spcAft>
+              <a:defRPr>
+                <a:solidFill>
+                  <a:schemeClr val="tx1"/>
+                </a:solidFill>
+                <a:latin typeface="Arial" panose="020B0604020202020204" pitchFamily="34" charset="0"/>
+                <a:cs typeface="Arial" panose="020B0604020202020204" pitchFamily="34" charset="0"/>
+              </a:defRPr>
+            </a:lvl9pPr>
+          </a:lstStyle>
+          <a:p>
+            <a:pPr marL="0" marR="0" lvl="0" indent="0" algn="ctr" defTabSz="914400" rtl="0" eaLnBrk="1" fontAlgn="base" latinLnBrk="0" hangingPunct="1">
+              <a:lnSpc>
+                <a:spcPct val="100000"/>
+              </a:lnSpc>
+              <a:spcBef>
+                <a:spcPct val="0"/>
+              </a:spcBef>
+              <a:spcAft>
+                <a:spcPct val="0"/>
+              </a:spcAft>
+              <a:buClr>
+                <a:schemeClr val="tx2"/>
+              </a:buClr>
+              <a:buSzTx/>
+              <a:buFontTx/>
+              <a:buNone/>
+              <a:tabLst/>
+              <a:defRPr/>
+            </a:pPr>
+            <a:r>
+              <a:rPr lang="en-US" altLang="en-US" b="1" kern="1200" dirty="0">
+                <a:solidFill>
+                  <a:srgbClr val="E51937"/>
+                </a:solidFill>
+                <a:latin typeface="Arial" panose="020B0604020202020204" pitchFamily="34" charset="0"/>
+                <a:ea typeface="+mn-ea"/>
+                <a:cs typeface="Times New Roman" panose="02020603050405020304" pitchFamily="18" charset="0"/>
+              </a:rPr>
+              <a:t>CD – COE | </a:t>
+            </a:r>
+            <a:r>
+              <a:rPr lang="en-US" altLang="en-US" b="1" dirty="0">
+                <a:solidFill>
+                  <a:srgbClr val="E51937"/>
+                </a:solidFill>
+                <a:latin typeface="+mj-lt"/>
+                <a:cs typeface="Times New Roman" panose="02020603050405020304" pitchFamily="18" charset="0"/>
+              </a:rPr>
+              <a:t>FD ENGINES</a:t>
+            </a:r>
+          </a:p>
+        </p:txBody>
+      </p:sp>
+      <p:sp>
+        <p:nvSpPr>
+          <p:cNvPr id="18" name="Text Placeholder 3">
+            <a:extLst>
+              <a:ext uri="{FF2B5EF4-FFF2-40B4-BE49-F238E27FC236}">
+                <a16:creationId xmlns:a16="http://schemas.microsoft.com/office/drawing/2014/main" id="{1497641E-8E29-4C80-A764-B47F5824D43D}"/>
+              </a:ext>
+            </a:extLst>
+          </p:cNvPr>
+          <p:cNvSpPr>
+            <a:spLocks noGrp="1"/>
+          </p:cNvSpPr>
+          <p:nvPr>
+            <p:ph type="body" sz="quarter" idx="20"/>
+          </p:nvPr>
+        </p:nvSpPr>
+        <p:spPr>
+          <a:xfrm>
+            <a:off x="559870" y="3648074"/>
+            <a:ext cx="5454651" cy="215444"/>
+          </a:xfrm>
+        </p:spPr>
+        <p:txBody>
+          <a:bodyPr/>
+          <a:lstStyle>
+            <a:lvl1pPr marL="0" indent="0">
+              <a:buNone/>
+              <a:defRPr sz="1400"/>
+            </a:lvl1pPr>
+          </a:lstStyle>
+          <a:p>
+            <a:pPr lvl="0"/>
+            <a:endParaRPr lang="en-US" dirty="0"/>
+          </a:p>
+        </p:txBody>
+      </p:sp>
+      <p:sp>
+        <p:nvSpPr>
+          <p:cNvPr id="15" name="Text Placeholder 2">
+            <a:extLst>
+              <a:ext uri="{FF2B5EF4-FFF2-40B4-BE49-F238E27FC236}">
+                <a16:creationId xmlns:a16="http://schemas.microsoft.com/office/drawing/2014/main" id="{CED00CD5-0D4F-436E-A6C0-013EB34B1229}"/>
+              </a:ext>
+            </a:extLst>
+          </p:cNvPr>
+          <p:cNvSpPr>
+            <a:spLocks noGrp="1"/>
+          </p:cNvSpPr>
+          <p:nvPr>
+            <p:ph type="body" sz="quarter" idx="17"/>
+          </p:nvPr>
+        </p:nvSpPr>
+        <p:spPr>
+          <a:xfrm>
+            <a:off x="6272955" y="722080"/>
+            <a:ext cx="5454651" cy="215444"/>
+          </a:xfrm>
+        </p:spPr>
+        <p:txBody>
+          <a:bodyPr/>
+          <a:lstStyle>
+            <a:lvl1pPr marL="0" indent="0">
+              <a:buNone/>
+              <a:defRPr sz="1400"/>
+            </a:lvl1pPr>
+          </a:lstStyle>
+          <a:p>
+            <a:pPr lvl="0"/>
+            <a:endParaRPr lang="en-US" dirty="0"/>
+          </a:p>
+        </p:txBody>
+      </p:sp>
+      <p:sp>
+        <p:nvSpPr>
+          <p:cNvPr id="14" name="Text Placeholder 1">
+            <a:extLst>
+              <a:ext uri="{FF2B5EF4-FFF2-40B4-BE49-F238E27FC236}">
+                <a16:creationId xmlns:a16="http://schemas.microsoft.com/office/drawing/2014/main" id="{A47EB6E0-4FEA-4084-AD9C-B74500C52581}"/>
+              </a:ext>
+            </a:extLst>
+          </p:cNvPr>
+          <p:cNvSpPr>
+            <a:spLocks noGrp="1"/>
+          </p:cNvSpPr>
+          <p:nvPr>
+            <p:ph type="body" sz="quarter" idx="16"/>
+          </p:nvPr>
+        </p:nvSpPr>
+        <p:spPr>
+          <a:xfrm>
+            <a:off x="559870" y="722079"/>
+            <a:ext cx="5454651" cy="215444"/>
+          </a:xfrm>
+        </p:spPr>
+        <p:txBody>
+          <a:bodyPr/>
+          <a:lstStyle>
+            <a:lvl1pPr marL="0" indent="0">
+              <a:buNone/>
+              <a:defRPr sz="1400"/>
+            </a:lvl1pPr>
+          </a:lstStyle>
+          <a:p>
+            <a:pPr lvl="0"/>
+            <a:endParaRPr lang="en-US" dirty="0"/>
+          </a:p>
+        </p:txBody>
+      </p:sp>
+      <p:pic>
+        <p:nvPicPr>
+          <p:cNvPr id="21" name="Picture 5" descr="Mahindra Logo.png">
+            <a:extLst>
+              <a:ext uri="{FF2B5EF4-FFF2-40B4-BE49-F238E27FC236}">
+                <a16:creationId xmlns:a16="http://schemas.microsoft.com/office/drawing/2014/main" id="{1F2FA084-C74C-49B4-B30C-FEAF4DEACD79}"/>
+              </a:ext>
+            </a:extLst>
+          </p:cNvPr>
+          <p:cNvPicPr>
+            <a:picLocks noChangeAspect="1"/>
+          </p:cNvPicPr>
+          <p:nvPr userDrawn="1"/>
+        </p:nvPicPr>
+        <p:blipFill>
+          <a:blip r:embed="rId2">
+            <a:extLst>
+              <a:ext uri="{28A0092B-C50C-407E-A947-70E740481C1C}">
+                <a14:useLocalDpi xmlns:a14="http://schemas.microsoft.com/office/drawing/2010/main" val="0"/>
+              </a:ext>
+            </a:extLst>
+          </a:blip>
+          <a:srcRect/>
+          <a:stretch>
+            <a:fillRect/>
+          </a:stretch>
+        </p:blipFill>
+        <p:spPr bwMode="gray">
+          <a:xfrm>
+            <a:off x="10375271" y="108728"/>
+            <a:ext cx="1615962" cy="375637"/>
+          </a:xfrm>
+          <a:prstGeom prst="rect">
+            <a:avLst/>
+          </a:prstGeom>
+          <a:noFill/>
+          <a:ln>
+            <a:noFill/>
+          </a:ln>
+          <a:extLst>
+            <a:ext uri="{909E8E84-426E-40DD-AFC4-6F175D3DCCD1}">
+              <a14:hiddenFill xmlns:a14="http://schemas.microsoft.com/office/drawing/2010/main">
+                <a:solidFill>
+                  <a:srgbClr val="FFFFFF"/>
+                </a:solidFill>
+              </a14:hiddenFill>
+            </a:ext>
+            <a:ext uri="{91240B29-F687-4F45-9708-019B960494DF}">
+              <a14:hiddenLine xmlns:a14="http://schemas.microsoft.com/office/drawing/2010/main" w="9525">
+                <a:solidFill>
+                  <a:srgbClr val="000000"/>
+                </a:solidFill>
+                <a:miter lim="800000"/>
+                <a:headEnd/>
+                <a:tailEnd/>
+              </a14:hiddenLine>
+            </a:ext>
+          </a:extLst>
+        </p:spPr>
+      </p:pic>
+      <p:sp>
+        <p:nvSpPr>
+          <p:cNvPr id="4" name="Picture Placeholder 3">
+            <a:extLst>
+              <a:ext uri="{FF2B5EF4-FFF2-40B4-BE49-F238E27FC236}">
+                <a16:creationId xmlns:a16="http://schemas.microsoft.com/office/drawing/2014/main" id="{A07783A2-C573-494E-AE9B-C82EE78144A6}"/>
+              </a:ext>
+            </a:extLst>
+          </p:cNvPr>
+          <p:cNvSpPr>
+            <a:spLocks noGrp="1"/>
+          </p:cNvSpPr>
+          <p:nvPr>
+            <p:ph type="pic" sz="quarter" idx="22"/>
+          </p:nvPr>
+        </p:nvSpPr>
+        <p:spPr>
+          <a:xfrm>
+            <a:off x="559868" y="1072577"/>
+            <a:ext cx="5454651" cy="2440441"/>
+          </a:xfrm>
+        </p:spPr>
+        <p:txBody>
+          <a:bodyPr/>
+          <a:lstStyle/>
+          <a:p>
+            <a:endParaRPr lang="en-US"/>
+          </a:p>
+        </p:txBody>
+      </p:sp>
+      <p:sp>
+        <p:nvSpPr>
+          <p:cNvPr id="20" name="Picture Placeholder 3">
+            <a:extLst>
+              <a:ext uri="{FF2B5EF4-FFF2-40B4-BE49-F238E27FC236}">
+                <a16:creationId xmlns:a16="http://schemas.microsoft.com/office/drawing/2014/main" id="{A189228D-5468-4FDF-8EEA-E6AE33CEC7A0}"/>
+              </a:ext>
+            </a:extLst>
+          </p:cNvPr>
+          <p:cNvSpPr>
+            <a:spLocks noGrp="1"/>
+          </p:cNvSpPr>
+          <p:nvPr>
+            <p:ph type="pic" sz="quarter" idx="23"/>
+          </p:nvPr>
+        </p:nvSpPr>
+        <p:spPr>
+          <a:xfrm>
+            <a:off x="6272954" y="1072039"/>
+            <a:ext cx="5650460" cy="5328742"/>
+          </a:xfrm>
+        </p:spPr>
+        <p:txBody>
+          <a:bodyPr/>
+          <a:lstStyle/>
+          <a:p>
+            <a:endParaRPr lang="en-US"/>
+          </a:p>
+        </p:txBody>
+      </p:sp>
+      <p:sp>
+        <p:nvSpPr>
+          <p:cNvPr id="22" name="Picture Placeholder 3">
+            <a:extLst>
+              <a:ext uri="{FF2B5EF4-FFF2-40B4-BE49-F238E27FC236}">
+                <a16:creationId xmlns:a16="http://schemas.microsoft.com/office/drawing/2014/main" id="{1F7E589C-BD47-48E9-BF1B-024F8CE79567}"/>
+              </a:ext>
+            </a:extLst>
+          </p:cNvPr>
+          <p:cNvSpPr>
+            <a:spLocks noGrp="1"/>
+          </p:cNvSpPr>
+          <p:nvPr>
+            <p:ph type="pic" sz="quarter" idx="24"/>
+          </p:nvPr>
+        </p:nvSpPr>
+        <p:spPr>
+          <a:xfrm>
+            <a:off x="559867" y="3960340"/>
+            <a:ext cx="5454651" cy="2440441"/>
+          </a:xfrm>
+        </p:spPr>
+        <p:txBody>
+          <a:bodyPr/>
+          <a:lstStyle/>
+          <a:p>
+            <a:endParaRPr lang="en-US"/>
+          </a:p>
+        </p:txBody>
+      </p:sp>
+    </p:spTree>
+    <p:extLst>
+      <p:ext uri="{BB962C8B-B14F-4D97-AF65-F5344CB8AC3E}">
+        <p14:creationId xmlns:p14="http://schemas.microsoft.com/office/powerpoint/2010/main" val="2874546779"/>
+      </p:ext>
+    </p:extLst>
+  </p:cSld>
+  <p:clrMapOvr>
+    <a:masterClrMapping/>
+  </p:clrMapOvr>
+</p:sldLayout>
+</file>
+
+<file path=ppt/slideLayouts/slideLayout4.xml><?xml version="1.0" encoding="utf-8"?>
 <p:sldLayout xmlns:a="http://schemas.openxmlformats.org/drawingml/2006/main" xmlns:r="http://schemas.openxmlformats.org/officeDocument/2006/relationships" xmlns:p="http://schemas.openxmlformats.org/presentationml/2006/main" preserve="1">
   <p:cSld name="Custom Layout">
     <p:bg>
@@ -1974,7 +2463,7 @@
           <p:nvPr/>
         </p:nvPicPr>
         <p:blipFill>
-          <a:blip r:embed="rId5">
+          <a:blip r:embed="rId6">
             <a:extLst>
               <a:ext uri="{28A0092B-C50C-407E-A947-70E740481C1C}">
                 <a14:useLocalDpi xmlns:a14="http://schemas.microsoft.com/office/drawing/2010/main" val="0"/>
@@ -2406,7 +2895,8 @@
   <p:sldLayoutIdLst>
     <p:sldLayoutId id="2147484283" r:id="rId1"/>
     <p:sldLayoutId id="2147484296" r:id="rId2"/>
-    <p:sldLayoutId id="2147484298" r:id="rId3"/>
+    <p:sldLayoutId id="2147484299" r:id="rId3"/>
+    <p:sldLayoutId id="2147484298" r:id="rId4"/>
   </p:sldLayoutIdLst>
   <p:hf sldNum="0" hdr="0"/>
   <p:txStyles>

--- a/template.pptx
+++ b/template.pptx
@@ -1208,42 +1208,6 @@
       </p:sp>
       <p:sp>
         <p:nvSpPr>
-          <p:cNvPr id="19" name="Text Placeholder 4">
-            <a:extLst>
-              <a:ext uri="{FF2B5EF4-FFF2-40B4-BE49-F238E27FC236}">
-                <a16:creationId xmlns:a16="http://schemas.microsoft.com/office/drawing/2014/main" id="{780FFB04-B76B-4549-92C0-CE10E89680C8}"/>
-              </a:ext>
-            </a:extLst>
-          </p:cNvPr>
-          <p:cNvSpPr>
-            <a:spLocks noGrp="1"/>
-          </p:cNvSpPr>
-          <p:nvPr>
-            <p:ph type="body" sz="quarter" idx="21"/>
-          </p:nvPr>
-        </p:nvSpPr>
-        <p:spPr>
-          <a:xfrm>
-            <a:off x="6272955" y="3648074"/>
-            <a:ext cx="5454651" cy="215444"/>
-          </a:xfrm>
-        </p:spPr>
-        <p:txBody>
-          <a:bodyPr/>
-          <a:lstStyle>
-            <a:lvl1pPr marL="0" indent="0">
-              <a:buNone/>
-              <a:defRPr sz="1400"/>
-            </a:lvl1pPr>
-          </a:lstStyle>
-          <a:p>
-            <a:pPr lvl="0"/>
-            <a:endParaRPr lang="en-US" dirty="0"/>
-          </a:p>
-        </p:txBody>
-      </p:sp>
-      <p:sp>
-        <p:nvSpPr>
           <p:cNvPr id="18" name="Text Placeholder 3">
             <a:extLst>
               <a:ext uri="{FF2B5EF4-FFF2-40B4-BE49-F238E27FC236}">
@@ -1489,37 +1453,7 @@
         <p:spPr>
           <a:xfrm>
             <a:off x="559867" y="3960340"/>
-            <a:ext cx="5454651" cy="2440441"/>
-          </a:xfrm>
-        </p:spPr>
-        <p:txBody>
-          <a:bodyPr/>
-          <a:lstStyle/>
-          <a:p>
-            <a:endParaRPr lang="en-US"/>
-          </a:p>
-        </p:txBody>
-      </p:sp>
-      <p:sp>
-        <p:nvSpPr>
-          <p:cNvPr id="23" name="Picture Placeholder 3">
-            <a:extLst>
-              <a:ext uri="{FF2B5EF4-FFF2-40B4-BE49-F238E27FC236}">
-                <a16:creationId xmlns:a16="http://schemas.microsoft.com/office/drawing/2014/main" id="{10B2B341-7330-4207-B90B-8F190A3AF486}"/>
-              </a:ext>
-            </a:extLst>
-          </p:cNvPr>
-          <p:cNvSpPr>
-            <a:spLocks noGrp="1"/>
-          </p:cNvSpPr>
-          <p:nvPr>
-            <p:ph type="pic" sz="quarter" idx="25"/>
-          </p:nvPr>
-        </p:nvSpPr>
-        <p:spPr>
-          <a:xfrm>
-            <a:off x="6272953" y="3956586"/>
-            <a:ext cx="5454651" cy="2440441"/>
+            <a:ext cx="11167738" cy="2440441"/>
           </a:xfrm>
         </p:spPr>
         <p:txBody>
